--- a/Presentation_PLFinal.pptx
+++ b/Presentation_PLFinal.pptx
@@ -4304,11 +4304,7 @@
             </a:r>
             <a:r>
               <a:rPr lang="en-US" sz="2400" dirty="0" smtClean="0"/>
-              <a:t> </a:t>
-            </a:r>
-            <a:r>
-              <a:rPr lang="en-US" sz="2400" dirty="0" smtClean="0"/>
-              <a:t>x[0] == '</a:t>
+              <a:t> x[0] == '</a:t>
             </a:r>
             <a:r>
               <a:rPr lang="en-US" sz="2400" dirty="0" err="1" smtClean="0"/>
@@ -4415,6 +4411,17 @@
               <a:rPr lang="it-IT" sz="2400" dirty="0" smtClean="0"/>
               <a:t>]</a:t>
             </a:r>
+          </a:p>
+          <a:p>
+            <a:pPr>
+              <a:buNone/>
+            </a:pPr>
+            <a:endParaRPr lang="it-IT" sz="2400" dirty="0" smtClean="0"/>
+          </a:p>
+          <a:p>
+            <a:pPr>
+              <a:buNone/>
+            </a:pPr>
             <a:endParaRPr lang="en-US" sz="2400" dirty="0"/>
           </a:p>
         </p:txBody>
@@ -4509,11 +4516,7 @@
             </a:r>
             <a:r>
               <a:rPr lang="en-US" dirty="0" smtClean="0"/>
-              <a:t>' object has no attribute </a:t>
-            </a:r>
-            <a:r>
-              <a:rPr lang="en-US" dirty="0" smtClean="0"/>
-              <a:t>'find‘</a:t>
+              <a:t>' object has no attribute 'find‘</a:t>
             </a:r>
           </a:p>
           <a:p>
@@ -4522,11 +4525,7 @@
           <a:p>
             <a:r>
               <a:rPr lang="en-US" dirty="0" smtClean="0"/>
-              <a:t>Error </a:t>
-            </a:r>
-            <a:r>
-              <a:rPr lang="en-US" dirty="0" smtClean="0"/>
-              <a:t>Number 2: trying to pass the lambda as a compiled string</a:t>
+              <a:t>Error Number 2: trying to pass the lambda as a compiled string</a:t>
             </a:r>
             <a:br>
               <a:rPr lang="en-US" dirty="0" smtClean="0"/>
@@ -4549,11 +4548,7 @@
             </a:r>
             <a:r>
               <a:rPr lang="en-US" dirty="0" smtClean="0"/>
-              <a:t>' object is not </a:t>
-            </a:r>
-            <a:r>
-              <a:rPr lang="en-US" dirty="0" smtClean="0"/>
-              <a:t>callable</a:t>
+              <a:t>' object is not callable</a:t>
             </a:r>
           </a:p>
           <a:p>
@@ -4562,11 +4557,7 @@
           <a:p>
             <a:r>
               <a:rPr lang="en-US" dirty="0" smtClean="0"/>
-              <a:t>Error </a:t>
-            </a:r>
-            <a:r>
-              <a:rPr lang="en-US" dirty="0" smtClean="0"/>
-              <a:t>Number 3: trying to pass the lambda as a &lt;lambda&gt; function via </a:t>
+              <a:t>Error Number 3: trying to pass the lambda as a &lt;lambda&gt; function via </a:t>
             </a:r>
             <a:r>
               <a:rPr lang="en-US" dirty="0" err="1" smtClean="0"/>
@@ -4699,15 +4690,7 @@
           <a:p>
             <a:r>
               <a:rPr lang="en-US" dirty="0" smtClean="0"/>
-              <a:t>The </a:t>
-            </a:r>
-            <a:r>
-              <a:rPr lang="en-US" dirty="0" smtClean="0"/>
-              <a:t>plan </a:t>
-            </a:r>
-            <a:r>
-              <a:rPr lang="en-US" dirty="0" smtClean="0"/>
-              <a:t>to implement let()…</a:t>
+              <a:t>The plan to implement let()…</a:t>
             </a:r>
           </a:p>
           <a:p>
@@ -5163,11 +5146,7 @@
             </a:pPr>
             <a:r>
               <a:rPr lang="en-US" dirty="0" smtClean="0"/>
-              <a:t>with </a:t>
-            </a:r>
-            <a:r>
-              <a:rPr lang="en-US" dirty="0" smtClean="0"/>
-              <a:t>open('SStest.txt', 'r') as </a:t>
+              <a:t>with open('SStest.txt', 'r') as </a:t>
             </a:r>
             <a:r>
               <a:rPr lang="en-US" dirty="0" err="1" smtClean="0"/>
@@ -5205,11 +5184,7 @@
             </a:r>
             <a:r>
               <a:rPr lang="en-US" dirty="0" smtClean="0"/>
-              <a:t>(content</a:t>
-            </a:r>
-            <a:r>
-              <a:rPr lang="en-US" dirty="0" smtClean="0"/>
-              <a:t>)</a:t>
+              <a:t>(content)</a:t>
             </a:r>
           </a:p>
           <a:p>
@@ -5230,11 +5205,7 @@
             </a:pPr>
             <a:r>
               <a:rPr lang="en-US" sz="2200" dirty="0" smtClean="0"/>
-              <a:t>    let </a:t>
-            </a:r>
-            <a:r>
-              <a:rPr lang="en-US" sz="2200" dirty="0" smtClean="0"/>
-              <a:t>apples = 3</a:t>
+              <a:t>    let apples = 3</a:t>
             </a:r>
             <a:br>
               <a:rPr lang="en-US" sz="2200" dirty="0" smtClean="0"/>
@@ -5362,17 +5333,8 @@
             </a:pPr>
             <a:r>
               <a:rPr lang="en-US" sz="2400" dirty="0" smtClean="0"/>
-              <a:t>tokens </a:t>
-            </a:r>
-            <a:r>
-              <a:rPr lang="en-US" sz="2400" dirty="0" smtClean="0"/>
-              <a:t>= ('LET', 'PLUS', 'QUOTE', 'SIMB', 'NUM', 'LPAREN', 'RPAREN', 'TEXT', 'BSLASH</a:t>
-            </a:r>
-            <a:r>
-              <a:rPr lang="en-US" sz="2400" dirty="0" smtClean="0"/>
-              <a:t>') </a:t>
-            </a:r>
-            <a:endParaRPr lang="en-US" sz="2400" dirty="0" smtClean="0"/>
+              <a:t>tokens = ('LET', 'PLUS', 'QUOTE', 'SIMB', 'NUM', 'LPAREN', 'RPAREN', 'TEXT', 'BSLASH') </a:t>
+            </a:r>
           </a:p>
           <a:p>
             <a:pPr>
@@ -5380,11 +5342,7 @@
             </a:pPr>
             <a:r>
               <a:rPr lang="en-US" sz="2400" dirty="0" smtClean="0"/>
-              <a:t>reserved = {'let' : 'LET</a:t>
-            </a:r>
-            <a:r>
-              <a:rPr lang="en-US" sz="2400" dirty="0" smtClean="0"/>
-              <a:t>'}</a:t>
+              <a:t>reserved = {'let' : 'LET'}</a:t>
             </a:r>
           </a:p>
           <a:p>
@@ -5435,11 +5393,7 @@
             </a:br>
             <a:r>
               <a:rPr lang="en-US" sz="2400" dirty="0" smtClean="0"/>
-              <a:t>    p[0] = ["Calling let on "] + [p[2</a:t>
-            </a:r>
-            <a:r>
-              <a:rPr lang="en-US" sz="2400" dirty="0" smtClean="0"/>
-              <a:t>]]</a:t>
+              <a:t>    p[0] = ["Calling let on "] + [p[2]]</a:t>
             </a:r>
           </a:p>
           <a:p>
@@ -5550,15 +5504,7 @@
             </a:pPr>
             <a:r>
               <a:rPr lang="en-US" dirty="0" smtClean="0"/>
-              <a:t>def </a:t>
-            </a:r>
-            <a:r>
-              <a:rPr lang="en-US" dirty="0" smtClean="0"/>
-              <a:t>cons(l</a:t>
-            </a:r>
-            <a:r>
-              <a:rPr lang="en-US" dirty="0" smtClean="0"/>
-              <a:t>): </a:t>
+              <a:t>def cons(l): </a:t>
             </a:r>
           </a:p>
           <a:p>
@@ -5592,11 +5538,7 @@
             </a:r>
             <a:r>
               <a:rPr lang="en-US" dirty="0" smtClean="0"/>
-              <a:t>(l</a:t>
-            </a:r>
-            <a:r>
-              <a:rPr lang="en-US" dirty="0" smtClean="0"/>
-              <a:t>):</a:t>
+              <a:t>(l):</a:t>
             </a:r>
           </a:p>
           <a:p>
@@ -5605,15 +5547,7 @@
             </a:pPr>
             <a:r>
               <a:rPr lang="en-US" dirty="0" smtClean="0"/>
-              <a:t>def </a:t>
-            </a:r>
-            <a:r>
-              <a:rPr lang="en-US" dirty="0" smtClean="0"/>
-              <a:t>car(l</a:t>
-            </a:r>
-            <a:r>
-              <a:rPr lang="en-US" dirty="0" smtClean="0"/>
-              <a:t>):</a:t>
+              <a:t>def car(l):</a:t>
             </a:r>
           </a:p>
           <a:p>
@@ -5630,11 +5564,7 @@
             </a:r>
             <a:r>
               <a:rPr lang="en-US" dirty="0" smtClean="0"/>
-              <a:t>(l</a:t>
-            </a:r>
-            <a:r>
-              <a:rPr lang="en-US" dirty="0" smtClean="0"/>
-              <a:t>):</a:t>
+              <a:t>(l):</a:t>
             </a:r>
           </a:p>
           <a:p>
@@ -5651,11 +5581,7 @@
             </a:r>
             <a:r>
               <a:rPr lang="en-US" dirty="0" smtClean="0"/>
-              <a:t>(l</a:t>
-            </a:r>
-            <a:r>
-              <a:rPr lang="en-US" dirty="0" smtClean="0"/>
-              <a:t>):</a:t>
+              <a:t>(l):</a:t>
             </a:r>
           </a:p>
           <a:p>
@@ -5664,15 +5590,7 @@
             </a:pPr>
             <a:r>
               <a:rPr lang="en-US" dirty="0" smtClean="0"/>
-              <a:t>def </a:t>
-            </a:r>
-            <a:r>
-              <a:rPr lang="en-US" dirty="0" smtClean="0"/>
-              <a:t>_and(l</a:t>
-            </a:r>
-            <a:r>
-              <a:rPr lang="en-US" dirty="0" smtClean="0"/>
-              <a:t>):</a:t>
+              <a:t>def _and(l):</a:t>
             </a:r>
           </a:p>
           <a:p>
@@ -5681,15 +5599,7 @@
             </a:pPr>
             <a:r>
               <a:rPr lang="en-US" dirty="0" smtClean="0"/>
-              <a:t>def </a:t>
-            </a:r>
-            <a:r>
-              <a:rPr lang="en-US" dirty="0" smtClean="0"/>
-              <a:t>_or(l</a:t>
-            </a:r>
-            <a:r>
-              <a:rPr lang="en-US" dirty="0" smtClean="0"/>
-              <a:t>):</a:t>
+              <a:t>def _or(l):</a:t>
             </a:r>
           </a:p>
           <a:p>
@@ -5706,11 +5616,7 @@
             </a:r>
             <a:r>
               <a:rPr lang="en-US" dirty="0" smtClean="0"/>
-              <a:t>(l</a:t>
-            </a:r>
-            <a:r>
-              <a:rPr lang="en-US" dirty="0" smtClean="0"/>
-              <a:t>):</a:t>
+              <a:t>(l):</a:t>
             </a:r>
           </a:p>
           <a:p>
@@ -5719,15 +5625,7 @@
             </a:pPr>
             <a:r>
               <a:rPr lang="en-US" dirty="0" smtClean="0"/>
-              <a:t>def </a:t>
-            </a:r>
-            <a:r>
-              <a:rPr lang="en-US" dirty="0" smtClean="0"/>
-              <a:t>add(l</a:t>
-            </a:r>
-            <a:r>
-              <a:rPr lang="en-US" dirty="0" smtClean="0"/>
-              <a:t>):</a:t>
+              <a:t>def add(l):</a:t>
             </a:r>
           </a:p>
           <a:p>
@@ -5736,15 +5634,7 @@
             </a:pPr>
             <a:r>
               <a:rPr lang="en-US" dirty="0" smtClean="0"/>
-              <a:t>def </a:t>
-            </a:r>
-            <a:r>
-              <a:rPr lang="en-US" dirty="0" smtClean="0"/>
-              <a:t>minus(l</a:t>
-            </a:r>
-            <a:r>
-              <a:rPr lang="en-US" dirty="0" smtClean="0"/>
-              <a:t>):</a:t>
+              <a:t>def minus(l):</a:t>
             </a:r>
           </a:p>
           <a:p>
@@ -5753,19 +5643,7 @@
             </a:pPr>
             <a:r>
               <a:rPr lang="en-US" dirty="0" smtClean="0"/>
-              <a:t>def </a:t>
-            </a:r>
-            <a:r>
-              <a:rPr lang="en-US" dirty="0" smtClean="0"/>
-              <a:t>_print(l</a:t>
-            </a:r>
-            <a:r>
-              <a:rPr lang="en-US" dirty="0" smtClean="0"/>
-              <a:t>):</a:t>
-            </a:r>
-            <a:r>
-              <a:rPr lang="en-US" dirty="0" smtClean="0"/>
-              <a:t/>
+              <a:t>def _print(l):</a:t>
             </a:r>
             <a:br>
               <a:rPr lang="en-US" dirty="0" smtClean="0"/>
@@ -5782,8 +5660,8 @@
         </p:nvSpPr>
         <p:spPr>
           <a:xfrm>
-            <a:off x="4800600" y="2057400"/>
-            <a:ext cx="3429000" cy="830997"/>
+            <a:off x="4876800" y="1905000"/>
+            <a:ext cx="3429000" cy="5139869"/>
           </a:xfrm>
           <a:prstGeom prst="rect">
             <a:avLst/>
@@ -5798,8 +5676,209 @@
           <a:p>
             <a:r>
               <a:rPr lang="en-US" sz="2400" dirty="0" smtClean="0"/>
-              <a:t>From lis.py:</a:t>
-            </a:r>
+              <a:t>From lis.py</a:t>
+            </a:r>
+            <a:r>
+              <a:rPr lang="en-US" sz="2400" dirty="0" smtClean="0"/>
+              <a:t>:</a:t>
+            </a:r>
+          </a:p>
+          <a:p>
+            <a:r>
+              <a:rPr lang="en-US" sz="1400" dirty="0" smtClean="0"/>
+              <a:t>'abs':     abs,</a:t>
+            </a:r>
+            <a:br>
+              <a:rPr lang="en-US" sz="1400" dirty="0" smtClean="0"/>
+            </a:br>
+            <a:r>
+              <a:rPr lang="en-US" sz="1400" dirty="0" smtClean="0"/>
+              <a:t>'append':  </a:t>
+            </a:r>
+            <a:r>
+              <a:rPr lang="en-US" sz="1400" dirty="0" err="1" smtClean="0"/>
+              <a:t>op.add</a:t>
+            </a:r>
+            <a:r>
+              <a:rPr lang="en-US" sz="1400" dirty="0" smtClean="0"/>
+              <a:t>,</a:t>
+            </a:r>
+            <a:br>
+              <a:rPr lang="en-US" sz="1400" dirty="0" smtClean="0"/>
+            </a:br>
+            <a:r>
+              <a:rPr lang="en-US" sz="1400" dirty="0" smtClean="0"/>
+              <a:t>'apply':   apply,</a:t>
+            </a:r>
+            <a:br>
+              <a:rPr lang="en-US" sz="1400" dirty="0" smtClean="0"/>
+            </a:br>
+            <a:r>
+              <a:rPr lang="en-US" sz="1400" dirty="0" smtClean="0"/>
+              <a:t>'begin':   lambda *x: x[-1],</a:t>
+            </a:r>
+            <a:br>
+              <a:rPr lang="en-US" sz="1400" dirty="0" smtClean="0"/>
+            </a:br>
+            <a:r>
+              <a:rPr lang="en-US" sz="1400" dirty="0" smtClean="0"/>
+              <a:t>'car':     lambda x: x[0],</a:t>
+            </a:r>
+            <a:br>
+              <a:rPr lang="en-US" sz="1400" dirty="0" smtClean="0"/>
+            </a:br>
+            <a:r>
+              <a:rPr lang="en-US" sz="1400" dirty="0" smtClean="0"/>
+              <a:t>'</a:t>
+            </a:r>
+            <a:r>
+              <a:rPr lang="en-US" sz="1400" dirty="0" err="1" smtClean="0"/>
+              <a:t>cdr</a:t>
+            </a:r>
+            <a:r>
+              <a:rPr lang="en-US" sz="1400" dirty="0" smtClean="0"/>
+              <a:t>':     lambda x: x[1:],</a:t>
+            </a:r>
+            <a:br>
+              <a:rPr lang="en-US" sz="1400" dirty="0" smtClean="0"/>
+            </a:br>
+            <a:r>
+              <a:rPr lang="en-US" sz="1400" dirty="0" smtClean="0"/>
+              <a:t>'cons':    lambda </a:t>
+            </a:r>
+            <a:r>
+              <a:rPr lang="en-US" sz="1400" dirty="0" err="1" smtClean="0"/>
+              <a:t>x,y</a:t>
+            </a:r>
+            <a:r>
+              <a:rPr lang="en-US" sz="1400" dirty="0" smtClean="0"/>
+              <a:t>: [x] + y,</a:t>
+            </a:r>
+            <a:br>
+              <a:rPr lang="en-US" sz="1400" dirty="0" smtClean="0"/>
+            </a:br>
+            <a:r>
+              <a:rPr lang="en-US" sz="1400" dirty="0" smtClean="0"/>
+              <a:t>'</a:t>
+            </a:r>
+            <a:r>
+              <a:rPr lang="en-US" sz="1400" dirty="0" err="1" smtClean="0"/>
+              <a:t>eq</a:t>
+            </a:r>
+            <a:r>
+              <a:rPr lang="en-US" sz="1400" dirty="0" smtClean="0"/>
+              <a:t>?':     op.is_,</a:t>
+            </a:r>
+            <a:br>
+              <a:rPr lang="en-US" sz="1400" dirty="0" smtClean="0"/>
+            </a:br>
+            <a:r>
+              <a:rPr lang="en-US" sz="1400" dirty="0" smtClean="0"/>
+              <a:t>'equal?':  </a:t>
+            </a:r>
+            <a:r>
+              <a:rPr lang="en-US" sz="1400" dirty="0" err="1" smtClean="0"/>
+              <a:t>op.eq</a:t>
+            </a:r>
+            <a:r>
+              <a:rPr lang="en-US" sz="1400" dirty="0" smtClean="0"/>
+              <a:t>,</a:t>
+            </a:r>
+            <a:br>
+              <a:rPr lang="en-US" sz="1400" dirty="0" smtClean="0"/>
+            </a:br>
+            <a:r>
+              <a:rPr lang="en-US" sz="1400" dirty="0" smtClean="0"/>
+              <a:t>'length':  </a:t>
+            </a:r>
+            <a:r>
+              <a:rPr lang="en-US" sz="1400" dirty="0" err="1" smtClean="0"/>
+              <a:t>len</a:t>
+            </a:r>
+            <a:r>
+              <a:rPr lang="en-US" sz="1400" dirty="0" smtClean="0"/>
+              <a:t>,</a:t>
+            </a:r>
+          </a:p>
+          <a:p>
+            <a:r>
+              <a:rPr lang="en-US" sz="1400" dirty="0" smtClean="0"/>
+              <a:t>'max':     max,</a:t>
+            </a:r>
+            <a:br>
+              <a:rPr lang="en-US" sz="1400" dirty="0" smtClean="0"/>
+            </a:br>
+            <a:r>
+              <a:rPr lang="en-US" sz="1400" dirty="0" smtClean="0"/>
+              <a:t>'min':     min,</a:t>
+            </a:r>
+            <a:br>
+              <a:rPr lang="en-US" sz="1400" dirty="0" smtClean="0"/>
+            </a:br>
+            <a:r>
+              <a:rPr lang="en-US" sz="1400" dirty="0" smtClean="0"/>
+              <a:t>'not':     </a:t>
+            </a:r>
+            <a:r>
+              <a:rPr lang="en-US" sz="1400" dirty="0" err="1" smtClean="0"/>
+              <a:t>op.not</a:t>
+            </a:r>
+            <a:r>
+              <a:rPr lang="en-US" sz="1400" dirty="0" smtClean="0"/>
+              <a:t>_,</a:t>
+            </a:r>
+            <a:br>
+              <a:rPr lang="en-US" sz="1400" dirty="0" smtClean="0"/>
+            </a:br>
+            <a:r>
+              <a:rPr lang="en-US" sz="1400" dirty="0" smtClean="0"/>
+              <a:t>'null?':   lambda x: x == [],</a:t>
+            </a:r>
+            <a:br>
+              <a:rPr lang="en-US" sz="1400" dirty="0" smtClean="0"/>
+            </a:br>
+            <a:r>
+              <a:rPr lang="en-US" sz="1400" dirty="0" smtClean="0"/>
+              <a:t>'number?': lambda x: </a:t>
+            </a:r>
+            <a:r>
+              <a:rPr lang="en-US" sz="1400" dirty="0" err="1" smtClean="0"/>
+              <a:t>isinstance</a:t>
+            </a:r>
+            <a:r>
+              <a:rPr lang="en-US" sz="1400" dirty="0" smtClean="0"/>
+              <a:t>(x, Number),</a:t>
+            </a:r>
+            <a:br>
+              <a:rPr lang="en-US" sz="1400" dirty="0" smtClean="0"/>
+            </a:br>
+            <a:r>
+              <a:rPr lang="en-US" sz="1400" dirty="0" smtClean="0"/>
+              <a:t>'procedure?': callable,</a:t>
+            </a:r>
+            <a:br>
+              <a:rPr lang="en-US" sz="1400" dirty="0" smtClean="0"/>
+            </a:br>
+            <a:r>
+              <a:rPr lang="en-US" sz="1400" dirty="0" smtClean="0"/>
+              <a:t>'round':   round,</a:t>
+            </a:r>
+            <a:br>
+              <a:rPr lang="en-US" sz="1400" dirty="0" smtClean="0"/>
+            </a:br>
+            <a:r>
+              <a:rPr lang="en-US" sz="1400" dirty="0" smtClean="0"/>
+              <a:t>'symbol?': lambda x: </a:t>
+            </a:r>
+            <a:r>
+              <a:rPr lang="en-US" sz="1400" dirty="0" err="1" smtClean="0"/>
+              <a:t>isinstance</a:t>
+            </a:r>
+            <a:r>
+              <a:rPr lang="en-US" sz="1400" dirty="0" smtClean="0"/>
+              <a:t>(x, Symbol),</a:t>
+            </a:r>
+            <a:endParaRPr lang="en-US" sz="1400" dirty="0" smtClean="0"/>
           </a:p>
           <a:p>
             <a:endParaRPr lang="en-US" sz="2400" dirty="0" smtClean="0"/>
@@ -5923,11 +6002,7 @@
             </a:pPr>
             <a:r>
               <a:rPr lang="en-US" sz="2400" u="sng" dirty="0" smtClean="0"/>
-              <a:t>DEMO TIME</a:t>
-            </a:r>
-            <a:r>
-              <a:rPr lang="en-US" sz="2400" u="sng" dirty="0" smtClean="0"/>
-              <a:t>!</a:t>
+              <a:t>DEMO TIME!</a:t>
             </a:r>
           </a:p>
           <a:p>
@@ -6033,15 +6108,7 @@
           <a:p>
             <a:r>
               <a:rPr lang="en-US" dirty="0" smtClean="0"/>
-              <a:t>Creating a </a:t>
-            </a:r>
-            <a:r>
-              <a:rPr lang="en-US" dirty="0" smtClean="0"/>
-              <a:t>‘human’ </a:t>
-            </a:r>
-            <a:r>
-              <a:rPr lang="en-US" dirty="0" smtClean="0"/>
-              <a:t>object:</a:t>
+              <a:t>Creating a ‘human’ object:</a:t>
             </a:r>
           </a:p>
           <a:p>
@@ -6056,13 +6123,8 @@
             </a:r>
             <a:r>
               <a:rPr lang="en-US" dirty="0" smtClean="0"/>
-              <a:t>; </a:t>
-            </a:r>
-            <a:r>
-              <a:rPr lang="en-US" dirty="0" smtClean="0"/>
-              <a:t>RPGchar.makeplayer2()’)</a:t>
-            </a:r>
-            <a:endParaRPr lang="en-US" dirty="0" smtClean="0"/>
+              <a:t>; RPGchar.makeplayer2()’)</a:t>
+            </a:r>
           </a:p>
           <a:p>
             <a:r>
@@ -6076,7 +6138,6 @@
               <a:rPr lang="en-US" dirty="0" smtClean="0"/>
               <a:t>The concept is combining guilds or lists of chars</a:t>
             </a:r>
-            <a:endParaRPr lang="en-US" dirty="0" smtClean="0"/>
           </a:p>
           <a:p>
             <a:pPr lvl="1"/>
@@ -6100,7 +6161,6 @@
               <a:rPr lang="en-US" dirty="0" smtClean="0"/>
               <a:t>()’)</a:t>
             </a:r>
-            <a:endParaRPr lang="en-US" dirty="0" smtClean="0"/>
           </a:p>
           <a:p>
             <a:pPr lvl="1">
@@ -6325,15 +6385,7 @@
                   <a:schemeClr val="tx1"/>
                 </a:solidFill>
               </a:rPr>
-              <a:t>(exec </a:t>
-            </a:r>
-            <a:r>
-              <a:rPr lang="en-US" sz="2200" dirty="0" smtClean="0">
-                <a:solidFill>
-                  <a:schemeClr val="tx1"/>
-                </a:solidFill>
-              </a:rPr>
-              <a:t>'import Guild; </a:t>
+              <a:t>(exec 'import Guild; </a:t>
             </a:r>
             <a:r>
               <a:rPr lang="en-US" sz="2200" dirty="0" err="1" smtClean="0">
@@ -6349,15 +6401,7 @@
                   <a:schemeClr val="tx1"/>
                 </a:solidFill>
               </a:rPr>
-              <a:t> </a:t>
-            </a:r>
-            <a:r>
-              <a:rPr lang="en-US" sz="2200" dirty="0" smtClean="0">
-                <a:solidFill>
-                  <a:schemeClr val="tx1"/>
-                </a:solidFill>
-              </a:rPr>
-              <a:t>= </a:t>
+              <a:t> = </a:t>
             </a:r>
             <a:r>
               <a:rPr lang="en-US" sz="2200" dirty="0" err="1" smtClean="0">
@@ -6428,23 +6472,7 @@
                   <a:schemeClr val="tx1"/>
                 </a:solidFill>
               </a:rPr>
-              <a:t>character format: </a:t>
-            </a:r>
-            <a:r>
-              <a:rPr lang="en-US" sz="2200" dirty="0" smtClean="0">
-                <a:solidFill>
-                  <a:schemeClr val="tx1"/>
-                </a:solidFill>
-              </a:rPr>
-              <a:t>(name</a:t>
-            </a:r>
-            <a:r>
-              <a:rPr lang="en-US" sz="2200" dirty="0" smtClean="0">
-                <a:solidFill>
-                  <a:schemeClr val="tx1"/>
-                </a:solidFill>
-              </a:rPr>
-              <a:t>, age, </a:t>
+              <a:t>character format: (name, age, </a:t>
             </a:r>
             <a:r>
               <a:rPr lang="en-US" sz="2200" dirty="0" err="1" smtClean="0">
@@ -6460,21 +6488,8 @@
                   <a:schemeClr val="tx1"/>
                 </a:solidFill>
               </a:rPr>
-              <a:t>, race, role, </a:t>
-            </a:r>
-            <a:r>
-              <a:rPr lang="en-US" sz="2200" dirty="0" smtClean="0">
-                <a:solidFill>
-                  <a:schemeClr val="tx1"/>
-                </a:solidFill>
-              </a:rPr>
-              <a:t>level)</a:t>
-            </a:r>
-            <a:endParaRPr lang="en-US" sz="2200" dirty="0" smtClean="0">
-              <a:solidFill>
-                <a:schemeClr val="tx1"/>
-              </a:solidFill>
-            </a:endParaRPr>
+              <a:t>, race, role, level)</a:t>
+            </a:r>
           </a:p>
           <a:p>
             <a:pPr lvl="1">
@@ -6500,11 +6515,6 @@
               </a:rPr>
               <a:t>1:SELECT name, race, level FROM roster GROUP BY race ORDER BY level</a:t>
             </a:r>
-            <a:endParaRPr lang="en-US" sz="1600" dirty="0" smtClean="0">
-              <a:solidFill>
-                <a:schemeClr val="tx1"/>
-              </a:solidFill>
-            </a:endParaRPr>
           </a:p>
           <a:p>
             <a:pPr lvl="1">
@@ -6519,11 +6529,6 @@
               </a:rPr>
               <a:t>2:SELECT name, role, level FROM roster GROUP BY role WHERE level &gt; 80</a:t>
             </a:r>
-            <a:endParaRPr lang="en-US" sz="1600" dirty="0" smtClean="0">
-              <a:solidFill>
-                <a:schemeClr val="tx1"/>
-              </a:solidFill>
-            </a:endParaRPr>
           </a:p>
           <a:p>
             <a:pPr lvl="1">
@@ -6552,21 +6557,8 @@
                   <a:schemeClr val="tx1"/>
                 </a:solidFill>
               </a:rPr>
-              <a:t> </a:t>
-            </a:r>
-            <a:r>
-              <a:rPr lang="en-US" sz="1600" dirty="0" smtClean="0">
-                <a:solidFill>
-                  <a:schemeClr val="tx1"/>
-                </a:solidFill>
-              </a:rPr>
-              <a:t>FROM roster ORDER BY age</a:t>
-            </a:r>
-            <a:endParaRPr lang="en-US" sz="1600" dirty="0" smtClean="0">
-              <a:solidFill>
-                <a:schemeClr val="tx1"/>
-              </a:solidFill>
-            </a:endParaRPr>
+              <a:t> FROM roster ORDER BY age</a:t>
+            </a:r>
           </a:p>
           <a:p>
             <a:pPr lvl="1">
@@ -6869,8 +6861,12 @@
           <a:lstStyle/>
           <a:p>
             <a:r>
-              <a:rPr lang="en-US" dirty="0" smtClean="0"/>
-              <a:t>Map() function, lambda x: x+1</a:t>
+              <a:rPr lang="en-US" smtClean="0"/>
+              <a:t>Mapp() </a:t>
+            </a:r>
+            <a:r>
+              <a:rPr lang="en-US" dirty="0" smtClean="0"/>
+              <a:t>function, lambda x: x+1</a:t>
             </a:r>
           </a:p>
           <a:p>
@@ -6900,7 +6896,23 @@
           <a:p>
             <a:r>
               <a:rPr lang="en-US" dirty="0" smtClean="0"/>
-              <a:t>Demo time…</a:t>
+              <a:t>Demo time</a:t>
+            </a:r>
+            <a:r>
+              <a:rPr lang="en-US" dirty="0" smtClean="0"/>
+              <a:t>… run: </a:t>
+            </a:r>
+            <a:r>
+              <a:rPr lang="en-US" dirty="0" smtClean="0"/>
+              <a:t>(</a:t>
+            </a:r>
+            <a:r>
+              <a:rPr lang="en-US" dirty="0" err="1" smtClean="0"/>
+              <a:t>mapp</a:t>
+            </a:r>
+            <a:r>
+              <a:rPr lang="en-US" dirty="0" smtClean="0"/>
+              <a:t> 'lambda x: x + 1' '(1 2 3))</a:t>
             </a:r>
             <a:endParaRPr lang="en-US" dirty="0"/>
           </a:p>
